--- a/module_loader.pptx
+++ b/module_loader.pptx
@@ -293,7 +293,7 @@
             <a:fld id="{530820CF-B880-4189-942D-D702A7CBA730}" type="datetimeFigureOut">
               <a:rPr lang="zh-CN" altLang="en-US" smtClean="0"/>
               <a:pPr/>
-              <a:t>2017/6/21</a:t>
+              <a:t>2017/6/22</a:t>
             </a:fld>
             <a:endParaRPr lang="zh-CN" altLang="en-US"/>
           </a:p>
@@ -460,7 +460,7 @@
             <a:fld id="{530820CF-B880-4189-942D-D702A7CBA730}" type="datetimeFigureOut">
               <a:rPr lang="zh-CN" altLang="en-US" smtClean="0"/>
               <a:pPr/>
-              <a:t>2017/6/21</a:t>
+              <a:t>2017/6/22</a:t>
             </a:fld>
             <a:endParaRPr lang="zh-CN" altLang="en-US"/>
           </a:p>
@@ -637,7 +637,7 @@
             <a:fld id="{530820CF-B880-4189-942D-D702A7CBA730}" type="datetimeFigureOut">
               <a:rPr lang="zh-CN" altLang="en-US" smtClean="0"/>
               <a:pPr/>
-              <a:t>2017/6/21</a:t>
+              <a:t>2017/6/22</a:t>
             </a:fld>
             <a:endParaRPr lang="zh-CN" altLang="en-US"/>
           </a:p>
@@ -804,7 +804,7 @@
             <a:fld id="{530820CF-B880-4189-942D-D702A7CBA730}" type="datetimeFigureOut">
               <a:rPr lang="zh-CN" altLang="en-US" smtClean="0"/>
               <a:pPr/>
-              <a:t>2017/6/21</a:t>
+              <a:t>2017/6/22</a:t>
             </a:fld>
             <a:endParaRPr lang="zh-CN" altLang="en-US"/>
           </a:p>
@@ -1047,7 +1047,7 @@
             <a:fld id="{530820CF-B880-4189-942D-D702A7CBA730}" type="datetimeFigureOut">
               <a:rPr lang="zh-CN" altLang="en-US" smtClean="0"/>
               <a:pPr/>
-              <a:t>2017/6/21</a:t>
+              <a:t>2017/6/22</a:t>
             </a:fld>
             <a:endParaRPr lang="zh-CN" altLang="en-US"/>
           </a:p>
@@ -1332,7 +1332,7 @@
             <a:fld id="{530820CF-B880-4189-942D-D702A7CBA730}" type="datetimeFigureOut">
               <a:rPr lang="zh-CN" altLang="en-US" smtClean="0"/>
               <a:pPr/>
-              <a:t>2017/6/21</a:t>
+              <a:t>2017/6/22</a:t>
             </a:fld>
             <a:endParaRPr lang="zh-CN" altLang="en-US"/>
           </a:p>
@@ -1751,7 +1751,7 @@
             <a:fld id="{530820CF-B880-4189-942D-D702A7CBA730}" type="datetimeFigureOut">
               <a:rPr lang="zh-CN" altLang="en-US" smtClean="0"/>
               <a:pPr/>
-              <a:t>2017/6/21</a:t>
+              <a:t>2017/6/22</a:t>
             </a:fld>
             <a:endParaRPr lang="zh-CN" altLang="en-US"/>
           </a:p>
@@ -1866,7 +1866,7 @@
             <a:fld id="{530820CF-B880-4189-942D-D702A7CBA730}" type="datetimeFigureOut">
               <a:rPr lang="zh-CN" altLang="en-US" smtClean="0"/>
               <a:pPr/>
-              <a:t>2017/6/21</a:t>
+              <a:t>2017/6/22</a:t>
             </a:fld>
             <a:endParaRPr lang="zh-CN" altLang="en-US"/>
           </a:p>
@@ -1958,7 +1958,7 @@
             <a:fld id="{530820CF-B880-4189-942D-D702A7CBA730}" type="datetimeFigureOut">
               <a:rPr lang="zh-CN" altLang="en-US" smtClean="0"/>
               <a:pPr/>
-              <a:t>2017/6/21</a:t>
+              <a:t>2017/6/22</a:t>
             </a:fld>
             <a:endParaRPr lang="zh-CN" altLang="en-US"/>
           </a:p>
@@ -2232,7 +2232,7 @@
             <a:fld id="{530820CF-B880-4189-942D-D702A7CBA730}" type="datetimeFigureOut">
               <a:rPr lang="zh-CN" altLang="en-US" smtClean="0"/>
               <a:pPr/>
-              <a:t>2017/6/21</a:t>
+              <a:t>2017/6/22</a:t>
             </a:fld>
             <a:endParaRPr lang="zh-CN" altLang="en-US"/>
           </a:p>
@@ -2482,7 +2482,7 @@
             <a:fld id="{530820CF-B880-4189-942D-D702A7CBA730}" type="datetimeFigureOut">
               <a:rPr lang="zh-CN" altLang="en-US" smtClean="0"/>
               <a:pPr/>
-              <a:t>2017/6/21</a:t>
+              <a:t>2017/6/22</a:t>
             </a:fld>
             <a:endParaRPr lang="zh-CN" altLang="en-US"/>
           </a:p>
@@ -2692,7 +2692,7 @@
             <a:fld id="{530820CF-B880-4189-942D-D702A7CBA730}" type="datetimeFigureOut">
               <a:rPr lang="zh-CN" altLang="en-US" smtClean="0"/>
               <a:pPr/>
-              <a:t>2017/6/21</a:t>
+              <a:t>2017/6/22</a:t>
             </a:fld>
             <a:endParaRPr lang="zh-CN" altLang="en-US"/>
           </a:p>
@@ -3104,7 +3104,7 @@
         <p:spPr>
           <a:xfrm>
             <a:off x="428596" y="2000240"/>
-            <a:ext cx="8572561" cy="3754874"/>
+            <a:ext cx="8572561" cy="4585871"/>
           </a:xfrm>
           <a:prstGeom prst="rect">
             <a:avLst/>
@@ -3121,13 +3121,7 @@
               <a:rPr lang="en-US" altLang="zh-CN" sz="4000" dirty="0" smtClean="0">
                 <a:latin typeface="-apple-system"/>
               </a:rPr>
-              <a:t>d</a:t>
-            </a:r>
-            <a:r>
-              <a:rPr lang="en-US" altLang="zh-CN" sz="4000" dirty="0" smtClean="0">
-                <a:latin typeface="-apple-system"/>
-              </a:rPr>
-              <a:t>efine</a:t>
+              <a:t>define</a:t>
             </a:r>
           </a:p>
           <a:p>
@@ -3300,16 +3294,7 @@
                 </a:solidFill>
                 <a:latin typeface="-apple-system"/>
               </a:rPr>
-              <a:t>默</a:t>
-            </a:r>
-            <a:r>
-              <a:rPr lang="zh-CN" altLang="en-US" dirty="0" smtClean="0">
-                <a:solidFill>
-                  <a:srgbClr val="24292E"/>
-                </a:solidFill>
-                <a:latin typeface="-apple-system"/>
-              </a:rPr>
-              <a:t>认有三个参数：</a:t>
+              <a:t>默认有三个参数：</a:t>
             </a:r>
             <a:r>
               <a:rPr lang="en-US" altLang="zh-CN" dirty="0" smtClean="0">
@@ -3340,7 +3325,80 @@
                 </a:solidFill>
                 <a:latin typeface="-apple-system"/>
               </a:rPr>
-              <a:t>规范；</a:t>
+              <a:t>规范</a:t>
+            </a:r>
+            <a:r>
+              <a:rPr lang="zh-CN" altLang="en-US" dirty="0" smtClean="0">
+                <a:solidFill>
+                  <a:srgbClr val="24292E"/>
+                </a:solidFill>
+                <a:latin typeface="-apple-system"/>
+              </a:rPr>
+              <a:t>；</a:t>
+            </a:r>
+            <a:endParaRPr lang="en-US" altLang="zh-CN" dirty="0" smtClean="0">
+              <a:solidFill>
+                <a:srgbClr val="24292E"/>
+              </a:solidFill>
+              <a:latin typeface="-apple-system"/>
+            </a:endParaRPr>
+          </a:p>
+          <a:p>
+            <a:endParaRPr lang="en-US" altLang="zh-CN" dirty="0" smtClean="0">
+              <a:solidFill>
+                <a:srgbClr val="24292E"/>
+              </a:solidFill>
+              <a:latin typeface="-apple-system"/>
+            </a:endParaRPr>
+          </a:p>
+          <a:p>
+            <a:r>
+              <a:rPr lang="en-US" altLang="zh-CN" dirty="0" smtClean="0">
+                <a:solidFill>
+                  <a:srgbClr val="24292E"/>
+                </a:solidFill>
+                <a:latin typeface="-apple-system"/>
+                <a:hlinkClick r:id="rId2"/>
+              </a:rPr>
+              <a:t>AMD</a:t>
+            </a:r>
+            <a:r>
+              <a:rPr lang="zh-CN" altLang="en-US" dirty="0" smtClean="0">
+                <a:solidFill>
+                  <a:srgbClr val="24292E"/>
+                </a:solidFill>
+                <a:latin typeface="-apple-system"/>
+                <a:hlinkClick r:id="rId2"/>
+              </a:rPr>
+              <a:t>规范</a:t>
+            </a:r>
+            <a:endParaRPr lang="en-US" altLang="zh-CN" dirty="0" smtClean="0">
+              <a:solidFill>
+                <a:srgbClr val="24292E"/>
+              </a:solidFill>
+              <a:latin typeface="-apple-system"/>
+            </a:endParaRPr>
+          </a:p>
+          <a:p>
+            <a:r>
+              <a:rPr lang="en-US" altLang="zh-CN" dirty="0" smtClean="0">
+                <a:solidFill>
+                  <a:srgbClr val="24292E"/>
+                </a:solidFill>
+                <a:latin typeface="-apple-system"/>
+                <a:hlinkClick r:id="rId3"/>
+              </a:rPr>
+              <a:t>CommonJS</a:t>
+            </a:r>
+            <a:r>
+              <a:rPr lang="zh-CN" altLang="en-US" dirty="0" smtClean="0">
+                <a:solidFill>
+                  <a:srgbClr val="24292E"/>
+                </a:solidFill>
+                <a:latin typeface="-apple-system"/>
+                <a:hlinkClick r:id="rId3"/>
+              </a:rPr>
+              <a:t>规范</a:t>
             </a:r>
             <a:endParaRPr lang="en-US" altLang="zh-CN" dirty="0" smtClean="0">
               <a:solidFill>
@@ -3412,11 +3470,7 @@
           <a:p>
             <a:r>
               <a:rPr lang="zh-CN" altLang="en-US" dirty="0" smtClean="0"/>
-              <a:t>框</a:t>
-            </a:r>
-            <a:r>
-              <a:rPr lang="zh-CN" altLang="en-US" dirty="0" smtClean="0"/>
-              <a:t>架主要逻辑</a:t>
+              <a:t>框架主要逻辑</a:t>
             </a:r>
             <a:endParaRPr lang="zh-CN" altLang="en-US" dirty="0"/>
           </a:p>
@@ -3456,11 +3510,7 @@
           <a:p>
             <a:r>
               <a:rPr lang="en-US" altLang="zh-CN" dirty="0" smtClean="0"/>
-              <a:t>var </a:t>
-            </a:r>
-            <a:r>
-              <a:rPr lang="en-US" altLang="zh-CN" dirty="0" smtClean="0"/>
-              <a:t>parentModuleNameMap = {};//</a:t>
+              <a:t>var parentModuleNameMap = {};//</a:t>
             </a:r>
             <a:r>
               <a:rPr lang="zh-CN" altLang="en-US" dirty="0" smtClean="0"/>
@@ -3470,39 +3520,26 @@
           <a:p>
             <a:r>
               <a:rPr lang="en-US" altLang="zh-CN" dirty="0" smtClean="0"/>
-              <a:t>var </a:t>
-            </a:r>
-            <a:r>
-              <a:rPr lang="en-US" altLang="zh-CN" dirty="0" smtClean="0"/>
-              <a:t>nowModule = null;//</a:t>
+              <a:t>var nowModule = null;//</a:t>
             </a:r>
             <a:r>
               <a:rPr lang="zh-CN" altLang="en-US" dirty="0" smtClean="0"/>
-              <a:t>当前处理的模</a:t>
-            </a:r>
+              <a:t>当前处理的模块</a:t>
+            </a:r>
+            <a:endParaRPr lang="en-US" altLang="zh-CN" dirty="0" smtClean="0"/>
+          </a:p>
+          <a:p>
+            <a:endParaRPr lang="en-US" altLang="zh-CN" dirty="0" smtClean="0"/>
+          </a:p>
+          <a:p>
             <a:r>
               <a:rPr lang="zh-CN" altLang="en-US" dirty="0" smtClean="0"/>
-              <a:t>块</a:t>
-            </a:r>
-            <a:endParaRPr lang="en-US" altLang="zh-CN" dirty="0" smtClean="0"/>
-          </a:p>
-          <a:p>
-            <a:endParaRPr lang="en-US" altLang="zh-CN" dirty="0" smtClean="0"/>
-          </a:p>
-          <a:p>
-            <a:r>
-              <a:rPr lang="zh-CN" altLang="en-US" dirty="0" smtClean="0"/>
-              <a:t>内</a:t>
-            </a:r>
-            <a:r>
-              <a:rPr lang="zh-CN" altLang="en-US" dirty="0" smtClean="0"/>
-              <a:t>部私有方法</a:t>
+              <a:t>内部私有方法</a:t>
             </a:r>
             <a:r>
               <a:rPr lang="en-US" altLang="zh-CN" dirty="0" smtClean="0"/>
               <a:t>:</a:t>
             </a:r>
-            <a:endParaRPr lang="en-US" altLang="zh-CN" dirty="0" smtClean="0"/>
           </a:p>
           <a:p>
             <a:r>
@@ -3543,17 +3580,7 @@
                   </a:schemeClr>
                 </a:solidFill>
               </a:rPr>
-              <a:t>模块名解</a:t>
-            </a:r>
-            <a:r>
-              <a:rPr lang="zh-CN" altLang="en-US" dirty="0" smtClean="0">
-                <a:solidFill>
-                  <a:schemeClr val="accent3">
-                    <a:lumMod val="75000"/>
-                  </a:schemeClr>
-                </a:solidFill>
-              </a:rPr>
-              <a:t>析（相对模块名称</a:t>
+              <a:t>模块名解析（相对模块名称</a:t>
             </a:r>
             <a:r>
               <a:rPr lang="en-US" altLang="zh-CN" dirty="0" smtClean="0">
@@ -3618,17 +3645,7 @@
                   </a:schemeClr>
                 </a:solidFill>
               </a:rPr>
-              <a:t>路径解</a:t>
-            </a:r>
-            <a:r>
-              <a:rPr lang="zh-CN" altLang="en-US" dirty="0" smtClean="0">
-                <a:solidFill>
-                  <a:schemeClr val="accent3">
-                    <a:lumMod val="75000"/>
-                  </a:schemeClr>
-                </a:solidFill>
-              </a:rPr>
-              <a:t>析（绝对模块名称</a:t>
+              <a:t>路径解析（绝对模块名称</a:t>
             </a:r>
             <a:r>
               <a:rPr lang="en-US" altLang="zh-CN" dirty="0" smtClean="0">
@@ -3783,17 +3800,7 @@
                   </a:schemeClr>
                 </a:solidFill>
               </a:rPr>
-              <a:t>递归</a:t>
-            </a:r>
-            <a:r>
-              <a:rPr lang="zh-CN" altLang="en-US" dirty="0" smtClean="0">
-                <a:solidFill>
-                  <a:schemeClr val="accent3">
-                    <a:lumMod val="75000"/>
-                  </a:schemeClr>
-                </a:solidFill>
-              </a:rPr>
-              <a:t>遍历</a:t>
+              <a:t>递归遍历</a:t>
             </a:r>
             <a:r>
               <a:rPr lang="en-US" altLang="zh-CN" dirty="0" smtClean="0">
@@ -3884,11 +3891,7 @@
           <a:p>
             <a:r>
               <a:rPr lang="en-US" altLang="zh-CN" dirty="0" smtClean="0"/>
-              <a:t>r</a:t>
-            </a:r>
-            <a:r>
-              <a:rPr lang="en-US" altLang="zh-CN" dirty="0" smtClean="0"/>
-              <a:t>equire(); </a:t>
+              <a:t>require(); </a:t>
             </a:r>
             <a:r>
               <a:rPr lang="en-US" altLang="zh-CN" dirty="0" smtClean="0">
@@ -4082,11 +4085,7 @@
           <a:p>
             <a:r>
               <a:rPr lang="en-US" altLang="zh-CN" dirty="0" smtClean="0"/>
-              <a:t>this. </a:t>
-            </a:r>
-            <a:r>
-              <a:rPr lang="en-US" altLang="zh-CN" dirty="0" smtClean="0"/>
-              <a:t>parentModuleName:  </a:t>
+              <a:t>this. parentModuleName:  </a:t>
             </a:r>
             <a:r>
               <a:rPr lang="zh-CN" altLang="en-US" dirty="0" smtClean="0"/>
@@ -4104,15 +4103,7 @@
             </a:r>
             <a:r>
               <a:rPr lang="zh-CN" altLang="en-US" dirty="0" smtClean="0"/>
-              <a:t>所有依赖的模</a:t>
-            </a:r>
-            <a:r>
-              <a:rPr lang="zh-CN" altLang="en-US" dirty="0" smtClean="0"/>
-              <a:t>块名</a:t>
-            </a:r>
-            <a:r>
-              <a:rPr lang="zh-CN" altLang="en-US" dirty="0" smtClean="0"/>
-              <a:t>称</a:t>
+              <a:t>所有依赖的模块名称</a:t>
             </a:r>
             <a:endParaRPr lang="en-US" altLang="zh-CN" dirty="0" smtClean="0"/>
           </a:p>
@@ -4122,11 +4113,7 @@
           <a:p>
             <a:r>
               <a:rPr lang="en-US" altLang="zh-CN" dirty="0" smtClean="0"/>
-              <a:t>this. callbackParamLength:  </a:t>
-            </a:r>
-            <a:r>
-              <a:rPr lang="en-US" altLang="zh-CN" dirty="0" smtClean="0"/>
-              <a:t>factory</a:t>
+              <a:t>this. callbackParamLength:  factory</a:t>
             </a:r>
             <a:r>
               <a:rPr lang="zh-CN" altLang="en-US" dirty="0" smtClean="0"/>
@@ -4144,13 +4131,8 @@
             </a:r>
             <a:r>
               <a:rPr lang="zh-CN" altLang="en-US" dirty="0" smtClean="0"/>
-              <a:t>模</a:t>
-            </a:r>
-            <a:r>
-              <a:rPr lang="zh-CN" altLang="en-US" dirty="0" smtClean="0"/>
-              <a:t>块回调函数</a:t>
-            </a:r>
-            <a:endParaRPr lang="zh-CN" altLang="en-US" dirty="0" smtClean="0"/>
+              <a:t>模块回调函数</a:t>
+            </a:r>
           </a:p>
         </p:txBody>
       </p:sp>
@@ -4670,11 +4652,7 @@
           <a:p>
             <a:r>
               <a:rPr lang="zh-CN" altLang="en-US" dirty="0" smtClean="0"/>
-              <a:t>入</a:t>
-            </a:r>
-            <a:r>
-              <a:rPr lang="zh-CN" altLang="en-US" dirty="0" smtClean="0"/>
-              <a:t>口配置文件</a:t>
+              <a:t>入口配置文件</a:t>
             </a:r>
             <a:endParaRPr lang="zh-CN" altLang="en-US" dirty="0"/>
           </a:p>
@@ -4761,11 +4739,7 @@
           <a:p>
             <a:r>
               <a:rPr lang="en-US" altLang="zh-CN" dirty="0" smtClean="0"/>
-              <a:t>m</a:t>
-            </a:r>
-            <a:r>
-              <a:rPr lang="en-US" altLang="zh-CN" dirty="0" smtClean="0"/>
-              <a:t>ain.js</a:t>
+              <a:t>main.js</a:t>
             </a:r>
             <a:endParaRPr lang="zh-CN" altLang="en-US" dirty="0"/>
           </a:p>
